--- a/GWAS_Results/Sex-Specific GWAS.pptx
+++ b/GWAS_Results/Sex-Specific GWAS.pptx
@@ -122,6 +122,11 @@
       </a:defRPr>
     </a:lvl9pPr>
   </p:defaultTextStyle>
+  <p:extLst>
+    <p:ext uri="{EFAFB233-063F-42B5-8137-9DF3F51BA10A}">
+      <p15:sldGuideLst xmlns:p15="http://schemas.microsoft.com/office/powerpoint/2012/main"/>
+    </p:ext>
+  </p:extLst>
 </p:presentation>
 </file>
 
@@ -272,7 +277,7 @@
           <a:p>
             <a:fld id="{CA84C7B2-F198-4FC2-B1E5-E8F0A6EF29A1}" type="datetimeFigureOut">
               <a:rPr lang="en-US" smtClean="0"/>
-              <a:t>6/22/2021</a:t>
+              <a:t>6/30/2021</a:t>
             </a:fld>
             <a:endParaRPr lang="en-US"/>
           </a:p>
@@ -470,7 +475,7 @@
           <a:p>
             <a:fld id="{CA84C7B2-F198-4FC2-B1E5-E8F0A6EF29A1}" type="datetimeFigureOut">
               <a:rPr lang="en-US" smtClean="0"/>
-              <a:t>6/22/2021</a:t>
+              <a:t>6/30/2021</a:t>
             </a:fld>
             <a:endParaRPr lang="en-US"/>
           </a:p>
@@ -678,7 +683,7 @@
           <a:p>
             <a:fld id="{CA84C7B2-F198-4FC2-B1E5-E8F0A6EF29A1}" type="datetimeFigureOut">
               <a:rPr lang="en-US" smtClean="0"/>
-              <a:t>6/22/2021</a:t>
+              <a:t>6/30/2021</a:t>
             </a:fld>
             <a:endParaRPr lang="en-US"/>
           </a:p>
@@ -876,7 +881,7 @@
           <a:p>
             <a:fld id="{CA84C7B2-F198-4FC2-B1E5-E8F0A6EF29A1}" type="datetimeFigureOut">
               <a:rPr lang="en-US" smtClean="0"/>
-              <a:t>6/22/2021</a:t>
+              <a:t>6/30/2021</a:t>
             </a:fld>
             <a:endParaRPr lang="en-US"/>
           </a:p>
@@ -1151,7 +1156,7 @@
           <a:p>
             <a:fld id="{CA84C7B2-F198-4FC2-B1E5-E8F0A6EF29A1}" type="datetimeFigureOut">
               <a:rPr lang="en-US" smtClean="0"/>
-              <a:t>6/22/2021</a:t>
+              <a:t>6/30/2021</a:t>
             </a:fld>
             <a:endParaRPr lang="en-US"/>
           </a:p>
@@ -1416,7 +1421,7 @@
           <a:p>
             <a:fld id="{CA84C7B2-F198-4FC2-B1E5-E8F0A6EF29A1}" type="datetimeFigureOut">
               <a:rPr lang="en-US" smtClean="0"/>
-              <a:t>6/22/2021</a:t>
+              <a:t>6/30/2021</a:t>
             </a:fld>
             <a:endParaRPr lang="en-US"/>
           </a:p>
@@ -1828,7 +1833,7 @@
           <a:p>
             <a:fld id="{CA84C7B2-F198-4FC2-B1E5-E8F0A6EF29A1}" type="datetimeFigureOut">
               <a:rPr lang="en-US" smtClean="0"/>
-              <a:t>6/22/2021</a:t>
+              <a:t>6/30/2021</a:t>
             </a:fld>
             <a:endParaRPr lang="en-US"/>
           </a:p>
@@ -1969,7 +1974,7 @@
           <a:p>
             <a:fld id="{CA84C7B2-F198-4FC2-B1E5-E8F0A6EF29A1}" type="datetimeFigureOut">
               <a:rPr lang="en-US" smtClean="0"/>
-              <a:t>6/22/2021</a:t>
+              <a:t>6/30/2021</a:t>
             </a:fld>
             <a:endParaRPr lang="en-US"/>
           </a:p>
@@ -2082,7 +2087,7 @@
           <a:p>
             <a:fld id="{CA84C7B2-F198-4FC2-B1E5-E8F0A6EF29A1}" type="datetimeFigureOut">
               <a:rPr lang="en-US" smtClean="0"/>
-              <a:t>6/22/2021</a:t>
+              <a:t>6/30/2021</a:t>
             </a:fld>
             <a:endParaRPr lang="en-US"/>
           </a:p>
@@ -2393,7 +2398,7 @@
           <a:p>
             <a:fld id="{CA84C7B2-F198-4FC2-B1E5-E8F0A6EF29A1}" type="datetimeFigureOut">
               <a:rPr lang="en-US" smtClean="0"/>
-              <a:t>6/22/2021</a:t>
+              <a:t>6/30/2021</a:t>
             </a:fld>
             <a:endParaRPr lang="en-US"/>
           </a:p>
@@ -2681,7 +2686,7 @@
           <a:p>
             <a:fld id="{CA84C7B2-F198-4FC2-B1E5-E8F0A6EF29A1}" type="datetimeFigureOut">
               <a:rPr lang="en-US" smtClean="0"/>
-              <a:t>6/22/2021</a:t>
+              <a:t>6/30/2021</a:t>
             </a:fld>
             <a:endParaRPr lang="en-US"/>
           </a:p>
@@ -2922,7 +2927,7 @@
           <a:p>
             <a:fld id="{CA84C7B2-F198-4FC2-B1E5-E8F0A6EF29A1}" type="datetimeFigureOut">
               <a:rPr lang="en-US" smtClean="0"/>
-              <a:t>6/22/2021</a:t>
+              <a:t>6/30/2021</a:t>
             </a:fld>
             <a:endParaRPr lang="en-US"/>
           </a:p>
@@ -9263,9 +9268,10 @@
           <a:lstStyle/>
           <a:p>
             <a:r>
-              <a:rPr lang="en-US" dirty="0"/>
+              <a:rPr lang="en-US"/>
               <a:t>Height</a:t>
             </a:r>
+            <a:endParaRPr lang="en-US" dirty="0"/>
           </a:p>
         </p:txBody>
       </p:sp>
